--- a/docs/8NightsVRDesign_Rev2.pptx
+++ b/docs/8NightsVRDesign_Rev2.pptx
@@ -27,6 +27,7 @@
     <p:sldId id="278" r:id="rId21"/>
     <p:sldId id="279" r:id="rId22"/>
     <p:sldId id="267" r:id="rId23"/>
+    <p:sldId id="280" r:id="rId24"/>
   </p:sldIdLst>
   <p:sldSz cx="12192000" cy="6858000"/>
   <p:notesSz cx="6858000" cy="9144000"/>
@@ -5242,23 +5243,7 @@
             <a:pPr algn="ctr"/>
             <a:r>
               <a:rPr lang="en-US" dirty="0" smtClean="0"/>
-              <a:t>If the VR person strays too far from the path, their torch blows </a:t>
-            </a:r>
-            <a:r>
-              <a:rPr lang="en-US" dirty="0" smtClean="0"/>
-              <a:t>out.  </a:t>
-            </a:r>
-            <a:r>
-              <a:rPr lang="en-US" dirty="0" smtClean="0"/>
-              <a:t>Back to the </a:t>
-            </a:r>
-            <a:r>
-              <a:rPr lang="en-US" dirty="0" smtClean="0"/>
-              <a:t>Shamash to </a:t>
-            </a:r>
-            <a:r>
-              <a:rPr lang="en-US" dirty="0" smtClean="0"/>
-              <a:t>relight!</a:t>
+              <a:t>If the VR person strays too far from the path, their torch blows out.  Back to the Shamash to relight!</a:t>
             </a:r>
             <a:endParaRPr lang="en-US" dirty="0"/>
           </a:p>
@@ -6924,11 +6909,7 @@
             <a:pPr algn="ctr"/>
             <a:r>
               <a:rPr lang="en-US" dirty="0" smtClean="0"/>
-              <a:t>Ste</a:t>
-            </a:r>
-            <a:r>
-              <a:rPr lang="en-US" dirty="0" smtClean="0"/>
-              <a:t>p through the door and the torch carrier is in another land.  There are many ways to go, but the lantern carrier knows the way.  Onward!</a:t>
+              <a:t>Step through the door and the torch carrier is in another land.  There are many ways to go, but the lantern carrier knows the way.  Onward!</a:t>
             </a:r>
             <a:endParaRPr lang="en-US" dirty="0"/>
           </a:p>
@@ -14326,6 +14307,971 @@
     <p:extLst>
       <p:ext uri="{BB962C8B-B14F-4D97-AF65-F5344CB8AC3E}">
         <p14:creationId xmlns:p14="http://schemas.microsoft.com/office/powerpoint/2010/main" val="4141515442"/>
+      </p:ext>
+    </p:extLst>
+  </p:cSld>
+  <p:clrMapOvr>
+    <a:masterClrMapping/>
+  </p:clrMapOvr>
+  <p:timing>
+    <p:tnLst>
+      <p:par>
+        <p:cTn id="1" dur="indefinite" restart="never" nodeType="tmRoot"/>
+      </p:par>
+    </p:tnLst>
+  </p:timing>
+</p:sld>
+</file>
+
+<file path=ppt/slides/slide23.xml><?xml version="1.0" encoding="utf-8"?>
+<p:sld xmlns:a="http://schemas.openxmlformats.org/drawingml/2006/main" xmlns:r="http://schemas.openxmlformats.org/officeDocument/2006/relationships" xmlns:p="http://schemas.openxmlformats.org/presentationml/2006/main">
+  <p:cSld>
+    <p:spTree>
+      <p:nvGrpSpPr>
+        <p:cNvPr id="1" name=""/>
+        <p:cNvGrpSpPr/>
+        <p:nvPr/>
+      </p:nvGrpSpPr>
+      <p:grpSpPr>
+        <a:xfrm>
+          <a:off x="0" y="0"/>
+          <a:ext cx="0" cy="0"/>
+          <a:chOff x="0" y="0"/>
+          <a:chExt cx="0" cy="0"/>
+        </a:xfrm>
+      </p:grpSpPr>
+      <p:sp>
+        <p:nvSpPr>
+          <p:cNvPr id="2" name="Title 1"/>
+          <p:cNvSpPr>
+            <a:spLocks noGrp="1"/>
+          </p:cNvSpPr>
+          <p:nvPr>
+            <p:ph type="title"/>
+          </p:nvPr>
+        </p:nvSpPr>
+        <p:spPr>
+          <a:xfrm>
+            <a:off x="-434010" y="287097"/>
+            <a:ext cx="12811539" cy="1325563"/>
+          </a:xfrm>
+        </p:spPr>
+        <p:txBody>
+          <a:bodyPr>
+            <a:noAutofit/>
+          </a:bodyPr>
+          <a:lstStyle/>
+          <a:p>
+            <a:pPr algn="ctr"/>
+            <a:r>
+              <a:rPr lang="en-US" sz="3600" dirty="0" smtClean="0"/>
+              <a:t>State Diagram</a:t>
+            </a:r>
+            <a:endParaRPr lang="en-US" sz="3600" dirty="0"/>
+          </a:p>
+        </p:txBody>
+      </p:sp>
+      <p:sp>
+        <p:nvSpPr>
+          <p:cNvPr id="6" name="Rectangle 5"/>
+          <p:cNvSpPr/>
+          <p:nvPr/>
+        </p:nvSpPr>
+        <p:spPr>
+          <a:xfrm>
+            <a:off x="228600" y="3228976"/>
+            <a:ext cx="1357313" cy="628650"/>
+          </a:xfrm>
+          <a:prstGeom prst="rect">
+            <a:avLst/>
+          </a:prstGeom>
+        </p:spPr>
+        <p:style>
+          <a:lnRef idx="2">
+            <a:schemeClr val="accent2">
+              <a:shade val="50000"/>
+            </a:schemeClr>
+          </a:lnRef>
+          <a:fillRef idx="1">
+            <a:schemeClr val="accent2"/>
+          </a:fillRef>
+          <a:effectRef idx="0">
+            <a:schemeClr val="accent2"/>
+          </a:effectRef>
+          <a:fontRef idx="minor">
+            <a:schemeClr val="lt1"/>
+          </a:fontRef>
+        </p:style>
+        <p:txBody>
+          <a:bodyPr rtlCol="0" anchor="ctr"/>
+          <a:lstStyle/>
+          <a:p>
+            <a:pPr algn="ctr"/>
+            <a:r>
+              <a:rPr lang="en-US" b="1" dirty="0" smtClean="0">
+                <a:solidFill>
+                  <a:schemeClr val="tx1"/>
+                </a:solidFill>
+              </a:rPr>
+              <a:t>Getting Ready</a:t>
+            </a:r>
+            <a:endParaRPr lang="en-US" b="1" dirty="0">
+              <a:solidFill>
+                <a:schemeClr val="tx1"/>
+              </a:solidFill>
+            </a:endParaRPr>
+          </a:p>
+        </p:txBody>
+      </p:sp>
+      <p:sp>
+        <p:nvSpPr>
+          <p:cNvPr id="32" name="Rectangle 31"/>
+          <p:cNvSpPr/>
+          <p:nvPr/>
+        </p:nvSpPr>
+        <p:spPr>
+          <a:xfrm>
+            <a:off x="2266950" y="3228976"/>
+            <a:ext cx="1357313" cy="628650"/>
+          </a:xfrm>
+          <a:prstGeom prst="rect">
+            <a:avLst/>
+          </a:prstGeom>
+        </p:spPr>
+        <p:style>
+          <a:lnRef idx="2">
+            <a:schemeClr val="accent2">
+              <a:shade val="50000"/>
+            </a:schemeClr>
+          </a:lnRef>
+          <a:fillRef idx="1">
+            <a:schemeClr val="accent2"/>
+          </a:fillRef>
+          <a:effectRef idx="0">
+            <a:schemeClr val="accent2"/>
+          </a:effectRef>
+          <a:fontRef idx="minor">
+            <a:schemeClr val="lt1"/>
+          </a:fontRef>
+        </p:style>
+        <p:txBody>
+          <a:bodyPr rtlCol="0" anchor="ctr"/>
+          <a:lstStyle/>
+          <a:p>
+            <a:pPr algn="ctr"/>
+            <a:r>
+              <a:rPr lang="en-US" b="1" dirty="0" smtClean="0">
+                <a:solidFill>
+                  <a:schemeClr val="tx1"/>
+                </a:solidFill>
+              </a:rPr>
+              <a:t>Seeking Shamash</a:t>
+            </a:r>
+            <a:endParaRPr lang="en-US" b="1" dirty="0">
+              <a:solidFill>
+                <a:schemeClr val="tx1"/>
+              </a:solidFill>
+            </a:endParaRPr>
+          </a:p>
+        </p:txBody>
+      </p:sp>
+      <p:sp>
+        <p:nvSpPr>
+          <p:cNvPr id="37" name="Rectangle 36"/>
+          <p:cNvSpPr/>
+          <p:nvPr/>
+        </p:nvSpPr>
+        <p:spPr>
+          <a:xfrm>
+            <a:off x="4305300" y="3228976"/>
+            <a:ext cx="1357313" cy="628650"/>
+          </a:xfrm>
+          <a:prstGeom prst="rect">
+            <a:avLst/>
+          </a:prstGeom>
+        </p:spPr>
+        <p:style>
+          <a:lnRef idx="2">
+            <a:schemeClr val="accent2">
+              <a:shade val="50000"/>
+            </a:schemeClr>
+          </a:lnRef>
+          <a:fillRef idx="1">
+            <a:schemeClr val="accent2"/>
+          </a:fillRef>
+          <a:effectRef idx="0">
+            <a:schemeClr val="accent2"/>
+          </a:effectRef>
+          <a:fontRef idx="minor">
+            <a:schemeClr val="lt1"/>
+          </a:fontRef>
+        </p:style>
+        <p:txBody>
+          <a:bodyPr rtlCol="0" anchor="ctr"/>
+          <a:lstStyle/>
+          <a:p>
+            <a:pPr algn="ctr"/>
+            <a:r>
+              <a:rPr lang="en-US" b="1" dirty="0" smtClean="0">
+                <a:solidFill>
+                  <a:schemeClr val="tx1"/>
+                </a:solidFill>
+              </a:rPr>
+              <a:t>Near Shamash</a:t>
+            </a:r>
+            <a:endParaRPr lang="en-US" b="1" dirty="0">
+              <a:solidFill>
+                <a:schemeClr val="tx1"/>
+              </a:solidFill>
+            </a:endParaRPr>
+          </a:p>
+        </p:txBody>
+      </p:sp>
+      <p:sp>
+        <p:nvSpPr>
+          <p:cNvPr id="38" name="Rectangle 37"/>
+          <p:cNvSpPr/>
+          <p:nvPr/>
+        </p:nvSpPr>
+        <p:spPr>
+          <a:xfrm>
+            <a:off x="6343650" y="3228976"/>
+            <a:ext cx="1357313" cy="628650"/>
+          </a:xfrm>
+          <a:prstGeom prst="rect">
+            <a:avLst/>
+          </a:prstGeom>
+        </p:spPr>
+        <p:style>
+          <a:lnRef idx="2">
+            <a:schemeClr val="accent2">
+              <a:shade val="50000"/>
+            </a:schemeClr>
+          </a:lnRef>
+          <a:fillRef idx="1">
+            <a:schemeClr val="accent2"/>
+          </a:fillRef>
+          <a:effectRef idx="0">
+            <a:schemeClr val="accent2"/>
+          </a:effectRef>
+          <a:fontRef idx="minor">
+            <a:schemeClr val="lt1"/>
+          </a:fontRef>
+        </p:style>
+        <p:txBody>
+          <a:bodyPr rtlCol="0" anchor="ctr"/>
+          <a:lstStyle/>
+          <a:p>
+            <a:pPr algn="ctr"/>
+            <a:r>
+              <a:rPr lang="en-US" b="1" dirty="0" smtClean="0">
+                <a:solidFill>
+                  <a:schemeClr val="tx1"/>
+                </a:solidFill>
+              </a:rPr>
+              <a:t>Seeking Candle</a:t>
+            </a:r>
+            <a:endParaRPr lang="en-US" b="1" dirty="0">
+              <a:solidFill>
+                <a:schemeClr val="tx1"/>
+              </a:solidFill>
+            </a:endParaRPr>
+          </a:p>
+        </p:txBody>
+      </p:sp>
+      <p:sp>
+        <p:nvSpPr>
+          <p:cNvPr id="39" name="Rectangle 38"/>
+          <p:cNvSpPr/>
+          <p:nvPr/>
+        </p:nvSpPr>
+        <p:spPr>
+          <a:xfrm>
+            <a:off x="7379493" y="1780994"/>
+            <a:ext cx="1435894" cy="628650"/>
+          </a:xfrm>
+          <a:prstGeom prst="rect">
+            <a:avLst/>
+          </a:prstGeom>
+        </p:spPr>
+        <p:style>
+          <a:lnRef idx="2">
+            <a:schemeClr val="accent2">
+              <a:shade val="50000"/>
+            </a:schemeClr>
+          </a:lnRef>
+          <a:fillRef idx="1">
+            <a:schemeClr val="accent2"/>
+          </a:fillRef>
+          <a:effectRef idx="0">
+            <a:schemeClr val="accent2"/>
+          </a:effectRef>
+          <a:fontRef idx="minor">
+            <a:schemeClr val="lt1"/>
+          </a:fontRef>
+        </p:style>
+        <p:txBody>
+          <a:bodyPr rtlCol="0" anchor="ctr"/>
+          <a:lstStyle/>
+          <a:p>
+            <a:pPr algn="ctr"/>
+            <a:r>
+              <a:rPr lang="en-US" b="1" dirty="0" smtClean="0">
+                <a:solidFill>
+                  <a:schemeClr val="tx1"/>
+                </a:solidFill>
+              </a:rPr>
+              <a:t>Flame Extinguished</a:t>
+            </a:r>
+            <a:endParaRPr lang="en-US" b="1" dirty="0">
+              <a:solidFill>
+                <a:schemeClr val="tx1"/>
+              </a:solidFill>
+            </a:endParaRPr>
+          </a:p>
+        </p:txBody>
+      </p:sp>
+      <p:sp>
+        <p:nvSpPr>
+          <p:cNvPr id="40" name="Rectangle 39"/>
+          <p:cNvSpPr/>
+          <p:nvPr/>
+        </p:nvSpPr>
+        <p:spPr>
+          <a:xfrm>
+            <a:off x="8236743" y="3139223"/>
+            <a:ext cx="1435894" cy="808158"/>
+          </a:xfrm>
+          <a:prstGeom prst="rect">
+            <a:avLst/>
+          </a:prstGeom>
+        </p:spPr>
+        <p:style>
+          <a:lnRef idx="2">
+            <a:schemeClr val="accent2">
+              <a:shade val="50000"/>
+            </a:schemeClr>
+          </a:lnRef>
+          <a:fillRef idx="1">
+            <a:schemeClr val="accent2"/>
+          </a:fillRef>
+          <a:effectRef idx="0">
+            <a:schemeClr val="accent2"/>
+          </a:effectRef>
+          <a:fontRef idx="minor">
+            <a:schemeClr val="lt1"/>
+          </a:fontRef>
+        </p:style>
+        <p:txBody>
+          <a:bodyPr rtlCol="0" anchor="ctr"/>
+          <a:lstStyle/>
+          <a:p>
+            <a:pPr algn="ctr"/>
+            <a:r>
+              <a:rPr lang="en-US" b="1" dirty="0" smtClean="0">
+                <a:solidFill>
+                  <a:schemeClr val="tx1"/>
+                </a:solidFill>
+              </a:rPr>
+              <a:t>Through Entrance Portal</a:t>
+            </a:r>
+            <a:endParaRPr lang="en-US" b="1" dirty="0">
+              <a:solidFill>
+                <a:schemeClr val="tx1"/>
+              </a:solidFill>
+            </a:endParaRPr>
+          </a:p>
+        </p:txBody>
+      </p:sp>
+      <p:sp>
+        <p:nvSpPr>
+          <p:cNvPr id="41" name="Rectangle 40"/>
+          <p:cNvSpPr/>
+          <p:nvPr/>
+        </p:nvSpPr>
+        <p:spPr>
+          <a:xfrm>
+            <a:off x="10390584" y="3228976"/>
+            <a:ext cx="1435894" cy="628650"/>
+          </a:xfrm>
+          <a:prstGeom prst="rect">
+            <a:avLst/>
+          </a:prstGeom>
+        </p:spPr>
+        <p:style>
+          <a:lnRef idx="2">
+            <a:schemeClr val="accent2">
+              <a:shade val="50000"/>
+            </a:schemeClr>
+          </a:lnRef>
+          <a:fillRef idx="1">
+            <a:schemeClr val="accent2"/>
+          </a:fillRef>
+          <a:effectRef idx="0">
+            <a:schemeClr val="accent2"/>
+          </a:effectRef>
+          <a:fontRef idx="minor">
+            <a:schemeClr val="lt1"/>
+          </a:fontRef>
+        </p:style>
+        <p:txBody>
+          <a:bodyPr rtlCol="0" anchor="ctr"/>
+          <a:lstStyle/>
+          <a:p>
+            <a:pPr algn="ctr"/>
+            <a:r>
+              <a:rPr lang="en-US" b="1" dirty="0" smtClean="0">
+                <a:solidFill>
+                  <a:schemeClr val="tx1"/>
+                </a:solidFill>
+              </a:rPr>
+              <a:t>Through Exit Portal</a:t>
+            </a:r>
+            <a:endParaRPr lang="en-US" b="1" dirty="0">
+              <a:solidFill>
+                <a:schemeClr val="tx1"/>
+              </a:solidFill>
+            </a:endParaRPr>
+          </a:p>
+        </p:txBody>
+      </p:sp>
+      <p:sp>
+        <p:nvSpPr>
+          <p:cNvPr id="42" name="Rectangle 41"/>
+          <p:cNvSpPr/>
+          <p:nvPr/>
+        </p:nvSpPr>
+        <p:spPr>
+          <a:xfrm>
+            <a:off x="6800849" y="4822946"/>
+            <a:ext cx="1435894" cy="628650"/>
+          </a:xfrm>
+          <a:prstGeom prst="rect">
+            <a:avLst/>
+          </a:prstGeom>
+        </p:spPr>
+        <p:style>
+          <a:lnRef idx="2">
+            <a:schemeClr val="accent2">
+              <a:shade val="50000"/>
+            </a:schemeClr>
+          </a:lnRef>
+          <a:fillRef idx="1">
+            <a:schemeClr val="accent2"/>
+          </a:fillRef>
+          <a:effectRef idx="0">
+            <a:schemeClr val="accent2"/>
+          </a:effectRef>
+          <a:fontRef idx="minor">
+            <a:schemeClr val="lt1"/>
+          </a:fontRef>
+        </p:style>
+        <p:txBody>
+          <a:bodyPr rtlCol="0" anchor="ctr"/>
+          <a:lstStyle/>
+          <a:p>
+            <a:pPr algn="ctr"/>
+            <a:r>
+              <a:rPr lang="en-US" b="1" dirty="0" smtClean="0">
+                <a:solidFill>
+                  <a:schemeClr val="tx1"/>
+                </a:solidFill>
+              </a:rPr>
+              <a:t>Candle Lit</a:t>
+            </a:r>
+            <a:endParaRPr lang="en-US" b="1" dirty="0">
+              <a:solidFill>
+                <a:schemeClr val="tx1"/>
+              </a:solidFill>
+            </a:endParaRPr>
+          </a:p>
+        </p:txBody>
+      </p:sp>
+      <p:cxnSp>
+        <p:nvCxnSpPr>
+          <p:cNvPr id="11" name="Straight Arrow Connector 10"/>
+          <p:cNvCxnSpPr>
+            <a:stCxn id="6" idx="3"/>
+            <a:endCxn id="32" idx="1"/>
+          </p:cNvCxnSpPr>
+          <p:nvPr/>
+        </p:nvCxnSpPr>
+        <p:spPr>
+          <a:xfrm>
+            <a:off x="1585913" y="3543301"/>
+            <a:ext cx="681037" cy="0"/>
+          </a:xfrm>
+          <a:prstGeom prst="straightConnector1">
+            <a:avLst/>
+          </a:prstGeom>
+          <a:ln>
+            <a:tailEnd type="triangle"/>
+          </a:ln>
+        </p:spPr>
+        <p:style>
+          <a:lnRef idx="3">
+            <a:schemeClr val="accent5"/>
+          </a:lnRef>
+          <a:fillRef idx="0">
+            <a:schemeClr val="accent5"/>
+          </a:fillRef>
+          <a:effectRef idx="2">
+            <a:schemeClr val="accent5"/>
+          </a:effectRef>
+          <a:fontRef idx="minor">
+            <a:schemeClr val="tx1"/>
+          </a:fontRef>
+        </p:style>
+      </p:cxnSp>
+      <p:cxnSp>
+        <p:nvCxnSpPr>
+          <p:cNvPr id="16" name="Straight Arrow Connector 15"/>
+          <p:cNvCxnSpPr>
+            <a:stCxn id="32" idx="3"/>
+            <a:endCxn id="37" idx="1"/>
+          </p:cNvCxnSpPr>
+          <p:nvPr/>
+        </p:nvCxnSpPr>
+        <p:spPr>
+          <a:xfrm>
+            <a:off x="3624263" y="3543301"/>
+            <a:ext cx="681037" cy="0"/>
+          </a:xfrm>
+          <a:prstGeom prst="straightConnector1">
+            <a:avLst/>
+          </a:prstGeom>
+          <a:ln>
+            <a:tailEnd type="triangle"/>
+          </a:ln>
+        </p:spPr>
+        <p:style>
+          <a:lnRef idx="3">
+            <a:schemeClr val="accent5"/>
+          </a:lnRef>
+          <a:fillRef idx="0">
+            <a:schemeClr val="accent5"/>
+          </a:fillRef>
+          <a:effectRef idx="2">
+            <a:schemeClr val="accent5"/>
+          </a:effectRef>
+          <a:fontRef idx="minor">
+            <a:schemeClr val="tx1"/>
+          </a:fontRef>
+        </p:style>
+      </p:cxnSp>
+      <p:cxnSp>
+        <p:nvCxnSpPr>
+          <p:cNvPr id="43" name="Straight Arrow Connector 42"/>
+          <p:cNvCxnSpPr>
+            <a:stCxn id="37" idx="3"/>
+            <a:endCxn id="38" idx="1"/>
+          </p:cNvCxnSpPr>
+          <p:nvPr/>
+        </p:nvCxnSpPr>
+        <p:spPr>
+          <a:xfrm>
+            <a:off x="5662613" y="3543301"/>
+            <a:ext cx="681037" cy="0"/>
+          </a:xfrm>
+          <a:prstGeom prst="straightConnector1">
+            <a:avLst/>
+          </a:prstGeom>
+          <a:ln>
+            <a:tailEnd type="triangle"/>
+          </a:ln>
+        </p:spPr>
+        <p:style>
+          <a:lnRef idx="3">
+            <a:schemeClr val="accent5"/>
+          </a:lnRef>
+          <a:fillRef idx="0">
+            <a:schemeClr val="accent5"/>
+          </a:fillRef>
+          <a:effectRef idx="2">
+            <a:schemeClr val="accent5"/>
+          </a:effectRef>
+          <a:fontRef idx="minor">
+            <a:schemeClr val="tx1"/>
+          </a:fontRef>
+        </p:style>
+      </p:cxnSp>
+      <p:cxnSp>
+        <p:nvCxnSpPr>
+          <p:cNvPr id="45" name="Straight Arrow Connector 44"/>
+          <p:cNvCxnSpPr>
+            <a:stCxn id="38" idx="3"/>
+            <a:endCxn id="40" idx="1"/>
+          </p:cNvCxnSpPr>
+          <p:nvPr/>
+        </p:nvCxnSpPr>
+        <p:spPr>
+          <a:xfrm>
+            <a:off x="7700963" y="3543301"/>
+            <a:ext cx="535780" cy="1"/>
+          </a:xfrm>
+          <a:prstGeom prst="straightConnector1">
+            <a:avLst/>
+          </a:prstGeom>
+          <a:ln>
+            <a:tailEnd type="triangle"/>
+          </a:ln>
+        </p:spPr>
+        <p:style>
+          <a:lnRef idx="3">
+            <a:schemeClr val="accent5"/>
+          </a:lnRef>
+          <a:fillRef idx="0">
+            <a:schemeClr val="accent5"/>
+          </a:fillRef>
+          <a:effectRef idx="2">
+            <a:schemeClr val="accent5"/>
+          </a:effectRef>
+          <a:fontRef idx="minor">
+            <a:schemeClr val="tx1"/>
+          </a:fontRef>
+        </p:style>
+      </p:cxnSp>
+      <p:cxnSp>
+        <p:nvCxnSpPr>
+          <p:cNvPr id="47" name="Straight Arrow Connector 46"/>
+          <p:cNvCxnSpPr>
+            <a:stCxn id="40" idx="3"/>
+            <a:endCxn id="41" idx="1"/>
+          </p:cNvCxnSpPr>
+          <p:nvPr/>
+        </p:nvCxnSpPr>
+        <p:spPr>
+          <a:xfrm flipV="1">
+            <a:off x="9672637" y="3543301"/>
+            <a:ext cx="717947" cy="1"/>
+          </a:xfrm>
+          <a:prstGeom prst="straightConnector1">
+            <a:avLst/>
+          </a:prstGeom>
+          <a:ln>
+            <a:tailEnd type="triangle"/>
+          </a:ln>
+        </p:spPr>
+        <p:style>
+          <a:lnRef idx="3">
+            <a:schemeClr val="accent5"/>
+          </a:lnRef>
+          <a:fillRef idx="0">
+            <a:schemeClr val="accent5"/>
+          </a:fillRef>
+          <a:effectRef idx="2">
+            <a:schemeClr val="accent5"/>
+          </a:effectRef>
+          <a:fontRef idx="minor">
+            <a:schemeClr val="tx1"/>
+          </a:fontRef>
+        </p:style>
+      </p:cxnSp>
+      <p:cxnSp>
+        <p:nvCxnSpPr>
+          <p:cNvPr id="51" name="Straight Arrow Connector 50"/>
+          <p:cNvCxnSpPr>
+            <a:stCxn id="41" idx="2"/>
+            <a:endCxn id="42" idx="0"/>
+          </p:cNvCxnSpPr>
+          <p:nvPr/>
+        </p:nvCxnSpPr>
+        <p:spPr>
+          <a:xfrm flipH="1">
+            <a:off x="7518796" y="3857626"/>
+            <a:ext cx="3589735" cy="965320"/>
+          </a:xfrm>
+          <a:prstGeom prst="straightConnector1">
+            <a:avLst/>
+          </a:prstGeom>
+          <a:ln>
+            <a:tailEnd type="triangle"/>
+          </a:ln>
+        </p:spPr>
+        <p:style>
+          <a:lnRef idx="3">
+            <a:schemeClr val="accent5"/>
+          </a:lnRef>
+          <a:fillRef idx="0">
+            <a:schemeClr val="accent5"/>
+          </a:fillRef>
+          <a:effectRef idx="2">
+            <a:schemeClr val="accent5"/>
+          </a:effectRef>
+          <a:fontRef idx="minor">
+            <a:schemeClr val="tx1"/>
+          </a:fontRef>
+        </p:style>
+      </p:cxnSp>
+      <p:cxnSp>
+        <p:nvCxnSpPr>
+          <p:cNvPr id="59" name="Straight Arrow Connector 58"/>
+          <p:cNvCxnSpPr>
+            <a:stCxn id="38" idx="0"/>
+          </p:cNvCxnSpPr>
+          <p:nvPr/>
+        </p:nvCxnSpPr>
+        <p:spPr>
+          <a:xfrm flipV="1">
+            <a:off x="7022307" y="2409644"/>
+            <a:ext cx="720154" cy="819332"/>
+          </a:xfrm>
+          <a:prstGeom prst="straightConnector1">
+            <a:avLst/>
+          </a:prstGeom>
+          <a:ln>
+            <a:tailEnd type="triangle"/>
+          </a:ln>
+        </p:spPr>
+        <p:style>
+          <a:lnRef idx="3">
+            <a:schemeClr val="accent5"/>
+          </a:lnRef>
+          <a:fillRef idx="0">
+            <a:schemeClr val="accent5"/>
+          </a:fillRef>
+          <a:effectRef idx="2">
+            <a:schemeClr val="accent5"/>
+          </a:effectRef>
+          <a:fontRef idx="minor">
+            <a:schemeClr val="tx1"/>
+          </a:fontRef>
+        </p:style>
+      </p:cxnSp>
+      <p:cxnSp>
+        <p:nvCxnSpPr>
+          <p:cNvPr id="11265" name="Straight Arrow Connector 11264"/>
+          <p:cNvCxnSpPr>
+            <a:stCxn id="39" idx="1"/>
+            <a:endCxn id="32" idx="0"/>
+          </p:cNvCxnSpPr>
+          <p:nvPr/>
+        </p:nvCxnSpPr>
+        <p:spPr>
+          <a:xfrm flipH="1">
+            <a:off x="2945607" y="2095319"/>
+            <a:ext cx="4433886" cy="1133657"/>
+          </a:xfrm>
+          <a:prstGeom prst="straightConnector1">
+            <a:avLst/>
+          </a:prstGeom>
+          <a:ln>
+            <a:tailEnd type="triangle"/>
+          </a:ln>
+        </p:spPr>
+        <p:style>
+          <a:lnRef idx="3">
+            <a:schemeClr val="accent5"/>
+          </a:lnRef>
+          <a:fillRef idx="0">
+            <a:schemeClr val="accent5"/>
+          </a:fillRef>
+          <a:effectRef idx="2">
+            <a:schemeClr val="accent5"/>
+          </a:effectRef>
+          <a:fontRef idx="minor">
+            <a:schemeClr val="tx1"/>
+          </a:fontRef>
+        </p:style>
+      </p:cxnSp>
+      <p:cxnSp>
+        <p:nvCxnSpPr>
+          <p:cNvPr id="11272" name="Straight Arrow Connector 11271"/>
+          <p:cNvCxnSpPr>
+            <a:stCxn id="40" idx="0"/>
+          </p:cNvCxnSpPr>
+          <p:nvPr/>
+        </p:nvCxnSpPr>
+        <p:spPr>
+          <a:xfrm flipH="1" flipV="1">
+            <a:off x="8421118" y="2409644"/>
+            <a:ext cx="533572" cy="729579"/>
+          </a:xfrm>
+          <a:prstGeom prst="straightConnector1">
+            <a:avLst/>
+          </a:prstGeom>
+          <a:ln>
+            <a:tailEnd type="triangle"/>
+          </a:ln>
+        </p:spPr>
+        <p:style>
+          <a:lnRef idx="3">
+            <a:schemeClr val="accent5"/>
+          </a:lnRef>
+          <a:fillRef idx="0">
+            <a:schemeClr val="accent5"/>
+          </a:fillRef>
+          <a:effectRef idx="2">
+            <a:schemeClr val="accent5"/>
+          </a:effectRef>
+          <a:fontRef idx="minor">
+            <a:schemeClr val="tx1"/>
+          </a:fontRef>
+        </p:style>
+      </p:cxnSp>
+      <p:cxnSp>
+        <p:nvCxnSpPr>
+          <p:cNvPr id="11274" name="Straight Arrow Connector 11273"/>
+          <p:cNvCxnSpPr>
+            <a:endCxn id="32" idx="2"/>
+          </p:cNvCxnSpPr>
+          <p:nvPr/>
+        </p:nvCxnSpPr>
+        <p:spPr>
+          <a:xfrm flipH="1" flipV="1">
+            <a:off x="2945607" y="3857626"/>
+            <a:ext cx="3855242" cy="965320"/>
+          </a:xfrm>
+          <a:prstGeom prst="straightConnector1">
+            <a:avLst/>
+          </a:prstGeom>
+          <a:ln>
+            <a:tailEnd type="triangle"/>
+          </a:ln>
+        </p:spPr>
+        <p:style>
+          <a:lnRef idx="3">
+            <a:schemeClr val="accent5"/>
+          </a:lnRef>
+          <a:fillRef idx="0">
+            <a:schemeClr val="accent5"/>
+          </a:fillRef>
+          <a:effectRef idx="2">
+            <a:schemeClr val="accent5"/>
+          </a:effectRef>
+          <a:fontRef idx="minor">
+            <a:schemeClr val="tx1"/>
+          </a:fontRef>
+        </p:style>
+      </p:cxnSp>
+      <p:cxnSp>
+        <p:nvCxnSpPr>
+          <p:cNvPr id="11277" name="Straight Arrow Connector 11276"/>
+          <p:cNvCxnSpPr>
+            <a:stCxn id="42" idx="1"/>
+            <a:endCxn id="6" idx="2"/>
+          </p:cNvCxnSpPr>
+          <p:nvPr/>
+        </p:nvCxnSpPr>
+        <p:spPr>
+          <a:xfrm flipH="1" flipV="1">
+            <a:off x="907257" y="3857626"/>
+            <a:ext cx="5893592" cy="1279645"/>
+          </a:xfrm>
+          <a:prstGeom prst="straightConnector1">
+            <a:avLst/>
+          </a:prstGeom>
+          <a:ln>
+            <a:tailEnd type="triangle"/>
+          </a:ln>
+        </p:spPr>
+        <p:style>
+          <a:lnRef idx="3">
+            <a:schemeClr val="accent5"/>
+          </a:lnRef>
+          <a:fillRef idx="0">
+            <a:schemeClr val="accent5"/>
+          </a:fillRef>
+          <a:effectRef idx="2">
+            <a:schemeClr val="accent5"/>
+          </a:effectRef>
+          <a:fontRef idx="minor">
+            <a:schemeClr val="tx1"/>
+          </a:fontRef>
+        </p:style>
+      </p:cxnSp>
+      <p:sp>
+        <p:nvSpPr>
+          <p:cNvPr id="111" name="Rectangle 110"/>
+          <p:cNvSpPr/>
+          <p:nvPr/>
+        </p:nvSpPr>
+        <p:spPr>
+          <a:xfrm>
+            <a:off x="6800849" y="5996349"/>
+            <a:ext cx="1435894" cy="628650"/>
+          </a:xfrm>
+          <a:prstGeom prst="rect">
+            <a:avLst/>
+          </a:prstGeom>
+        </p:spPr>
+        <p:style>
+          <a:lnRef idx="2">
+            <a:schemeClr val="accent2">
+              <a:shade val="50000"/>
+            </a:schemeClr>
+          </a:lnRef>
+          <a:fillRef idx="1">
+            <a:schemeClr val="accent2"/>
+          </a:fillRef>
+          <a:effectRef idx="0">
+            <a:schemeClr val="accent2"/>
+          </a:effectRef>
+          <a:fontRef idx="minor">
+            <a:schemeClr val="lt1"/>
+          </a:fontRef>
+        </p:style>
+        <p:txBody>
+          <a:bodyPr rtlCol="0" anchor="ctr"/>
+          <a:lstStyle/>
+          <a:p>
+            <a:pPr algn="ctr"/>
+            <a:r>
+              <a:rPr lang="en-US" b="1" dirty="0" smtClean="0">
+                <a:solidFill>
+                  <a:schemeClr val="tx1"/>
+                </a:solidFill>
+              </a:rPr>
+              <a:t>All Candles Lit</a:t>
+            </a:r>
+            <a:endParaRPr lang="en-US" b="1" dirty="0">
+              <a:solidFill>
+                <a:schemeClr val="tx1"/>
+              </a:solidFill>
+            </a:endParaRPr>
+          </a:p>
+        </p:txBody>
+      </p:sp>
+      <p:cxnSp>
+        <p:nvCxnSpPr>
+          <p:cNvPr id="11308" name="Straight Arrow Connector 11307"/>
+          <p:cNvCxnSpPr>
+            <a:stCxn id="42" idx="2"/>
+            <a:endCxn id="111" idx="0"/>
+          </p:cNvCxnSpPr>
+          <p:nvPr/>
+        </p:nvCxnSpPr>
+        <p:spPr>
+          <a:xfrm>
+            <a:off x="7518796" y="5451596"/>
+            <a:ext cx="0" cy="544753"/>
+          </a:xfrm>
+          <a:prstGeom prst="straightConnector1">
+            <a:avLst/>
+          </a:prstGeom>
+          <a:ln>
+            <a:tailEnd type="triangle"/>
+          </a:ln>
+        </p:spPr>
+        <p:style>
+          <a:lnRef idx="3">
+            <a:schemeClr val="accent5"/>
+          </a:lnRef>
+          <a:fillRef idx="0">
+            <a:schemeClr val="accent5"/>
+          </a:fillRef>
+          <a:effectRef idx="2">
+            <a:schemeClr val="accent5"/>
+          </a:effectRef>
+          <a:fontRef idx="minor">
+            <a:schemeClr val="tx1"/>
+          </a:fontRef>
+        </p:style>
+      </p:cxnSp>
+    </p:spTree>
+    <p:extLst>
+      <p:ext uri="{BB962C8B-B14F-4D97-AF65-F5344CB8AC3E}">
+        <p14:creationId xmlns:p14="http://schemas.microsoft.com/office/powerpoint/2010/main" val="3373784293"/>
       </p:ext>
     </p:extLst>
   </p:cSld>

--- a/docs/8NightsVRDesign_Rev2.pptx
+++ b/docs/8NightsVRDesign_Rev2.pptx
@@ -265,7 +265,7 @@
           <a:p>
             <a:fld id="{8A733DA4-D56C-479F-9AE8-3CF782CB7FF4}" type="datetimeFigureOut">
               <a:rPr lang="en-US" smtClean="0"/>
-              <a:t>10/25/2015</a:t>
+              <a:t>11/1/2015</a:t>
             </a:fld>
             <a:endParaRPr lang="en-US"/>
           </a:p>
@@ -435,7 +435,7 @@
           <a:p>
             <a:fld id="{8A733DA4-D56C-479F-9AE8-3CF782CB7FF4}" type="datetimeFigureOut">
               <a:rPr lang="en-US" smtClean="0"/>
-              <a:t>10/25/2015</a:t>
+              <a:t>11/1/2015</a:t>
             </a:fld>
             <a:endParaRPr lang="en-US"/>
           </a:p>
@@ -615,7 +615,7 @@
           <a:p>
             <a:fld id="{8A733DA4-D56C-479F-9AE8-3CF782CB7FF4}" type="datetimeFigureOut">
               <a:rPr lang="en-US" smtClean="0"/>
-              <a:t>10/25/2015</a:t>
+              <a:t>11/1/2015</a:t>
             </a:fld>
             <a:endParaRPr lang="en-US"/>
           </a:p>
@@ -785,7 +785,7 @@
           <a:p>
             <a:fld id="{8A733DA4-D56C-479F-9AE8-3CF782CB7FF4}" type="datetimeFigureOut">
               <a:rPr lang="en-US" smtClean="0"/>
-              <a:t>10/25/2015</a:t>
+              <a:t>11/1/2015</a:t>
             </a:fld>
             <a:endParaRPr lang="en-US"/>
           </a:p>
@@ -1031,7 +1031,7 @@
           <a:p>
             <a:fld id="{8A733DA4-D56C-479F-9AE8-3CF782CB7FF4}" type="datetimeFigureOut">
               <a:rPr lang="en-US" smtClean="0"/>
-              <a:t>10/25/2015</a:t>
+              <a:t>11/1/2015</a:t>
             </a:fld>
             <a:endParaRPr lang="en-US"/>
           </a:p>
@@ -1263,7 +1263,7 @@
           <a:p>
             <a:fld id="{8A733DA4-D56C-479F-9AE8-3CF782CB7FF4}" type="datetimeFigureOut">
               <a:rPr lang="en-US" smtClean="0"/>
-              <a:t>10/25/2015</a:t>
+              <a:t>11/1/2015</a:t>
             </a:fld>
             <a:endParaRPr lang="en-US"/>
           </a:p>
@@ -1630,7 +1630,7 @@
           <a:p>
             <a:fld id="{8A733DA4-D56C-479F-9AE8-3CF782CB7FF4}" type="datetimeFigureOut">
               <a:rPr lang="en-US" smtClean="0"/>
-              <a:t>10/25/2015</a:t>
+              <a:t>11/1/2015</a:t>
             </a:fld>
             <a:endParaRPr lang="en-US"/>
           </a:p>
@@ -1748,7 +1748,7 @@
           <a:p>
             <a:fld id="{8A733DA4-D56C-479F-9AE8-3CF782CB7FF4}" type="datetimeFigureOut">
               <a:rPr lang="en-US" smtClean="0"/>
-              <a:t>10/25/2015</a:t>
+              <a:t>11/1/2015</a:t>
             </a:fld>
             <a:endParaRPr lang="en-US"/>
           </a:p>
@@ -1843,7 +1843,7 @@
           <a:p>
             <a:fld id="{8A733DA4-D56C-479F-9AE8-3CF782CB7FF4}" type="datetimeFigureOut">
               <a:rPr lang="en-US" smtClean="0"/>
-              <a:t>10/25/2015</a:t>
+              <a:t>11/1/2015</a:t>
             </a:fld>
             <a:endParaRPr lang="en-US"/>
           </a:p>
@@ -2120,7 +2120,7 @@
           <a:p>
             <a:fld id="{8A733DA4-D56C-479F-9AE8-3CF782CB7FF4}" type="datetimeFigureOut">
               <a:rPr lang="en-US" smtClean="0"/>
-              <a:t>10/25/2015</a:t>
+              <a:t>11/1/2015</a:t>
             </a:fld>
             <a:endParaRPr lang="en-US"/>
           </a:p>
@@ -2373,7 +2373,7 @@
           <a:p>
             <a:fld id="{8A733DA4-D56C-479F-9AE8-3CF782CB7FF4}" type="datetimeFigureOut">
               <a:rPr lang="en-US" smtClean="0"/>
-              <a:t>10/25/2015</a:t>
+              <a:t>11/1/2015</a:t>
             </a:fld>
             <a:endParaRPr lang="en-US"/>
           </a:p>
@@ -2586,7 +2586,7 @@
           <a:p>
             <a:fld id="{8A733DA4-D56C-479F-9AE8-3CF782CB7FF4}" type="datetimeFigureOut">
               <a:rPr lang="en-US" smtClean="0"/>
-              <a:t>10/25/2015</a:t>
+              <a:t>11/1/2015</a:t>
             </a:fld>
             <a:endParaRPr lang="en-US"/>
           </a:p>
@@ -14352,7 +14352,7 @@
         </p:nvSpPr>
         <p:spPr>
           <a:xfrm>
-            <a:off x="-434010" y="287097"/>
+            <a:off x="-402639" y="17648"/>
             <a:ext cx="12811539" cy="1325563"/>
           </a:xfrm>
         </p:spPr>
@@ -14364,10 +14364,10 @@
           <a:p>
             <a:pPr algn="ctr"/>
             <a:r>
-              <a:rPr lang="en-US" sz="3600" dirty="0" smtClean="0"/>
+              <a:rPr lang="en-US" sz="3600" b="1" dirty="0" smtClean="0"/>
               <a:t>State Diagram</a:t>
             </a:r>
-            <a:endParaRPr lang="en-US" sz="3600" dirty="0"/>
+            <a:endParaRPr lang="en-US" sz="3600" b="1" dirty="0"/>
           </a:p>
         </p:txBody>
       </p:sp>
